--- a/templates/catalog_template.pptx
+++ b/templates/catalog_template.pptx
@@ -3200,8 +3200,8 @@
         </p:nvSpPr>
         <p:spPr>
           <a:xfrm>
-            <a:off x="707639" y="2920709"/>
-            <a:ext cx="1287533" cy="327910"/>
+            <a:off x="284921" y="1614186"/>
+            <a:ext cx="2132970" cy="3079561"/>
           </a:xfrm>
           <a:prstGeom prst="rect">
             <a:avLst/>
@@ -3209,8 +3209,8 @@
           <a:noFill/>
         </p:spPr>
         <p:txBody>
-          <a:bodyPr wrap="none">
-            <a:spAutoFit/>
+          <a:bodyPr wrap="none" anchor="ctr">
+            <a:noAutofit/>
           </a:bodyPr>
           <a:lstStyle/>
           <a:p>
@@ -3896,8 +3896,8 @@
         </p:nvSpPr>
         <p:spPr>
           <a:xfrm>
-            <a:off x="707639" y="7352593"/>
-            <a:ext cx="1287533" cy="327910"/>
+            <a:off x="284921" y="5853858"/>
+            <a:ext cx="2132970" cy="3079561"/>
           </a:xfrm>
           <a:prstGeom prst="rect">
             <a:avLst/>
@@ -3905,8 +3905,8 @@
           <a:noFill/>
         </p:spPr>
         <p:txBody>
-          <a:bodyPr wrap="none">
-            <a:spAutoFit/>
+          <a:bodyPr wrap="none" anchor="ctr">
+            <a:noAutofit/>
           </a:bodyPr>
           <a:lstStyle/>
           <a:p>
